--- a/ProgressMeetings/Oct_13_22.pptx
+++ b/ProgressMeetings/Oct_13_22.pptx
@@ -5,10 +5,10 @@
     <p:sldMasterId id="2147483678" r:id="rId1"/>
   </p:sldMasterIdLst>
   <p:notesMasterIdLst>
-    <p:notesMasterId r:id="rId16"/>
+    <p:notesMasterId r:id="rId17"/>
   </p:notesMasterIdLst>
   <p:handoutMasterIdLst>
-    <p:handoutMasterId r:id="rId17"/>
+    <p:handoutMasterId r:id="rId18"/>
   </p:handoutMasterIdLst>
   <p:sldIdLst>
     <p:sldId id="258" r:id="rId2"/>
@@ -25,6 +25,7 @@
     <p:sldId id="333" r:id="rId13"/>
     <p:sldId id="329" r:id="rId14"/>
     <p:sldId id="334" r:id="rId15"/>
+    <p:sldId id="338" r:id="rId16"/>
   </p:sldIdLst>
   <p:sldSz cx="12192000" cy="6858000"/>
   <p:notesSz cx="6858000" cy="9144000"/>
@@ -243,7 +244,7 @@
           <a:p>
             <a:fld id="{821534B3-39E4-4EA9-B6D8-1893401FA294}" type="datetimeFigureOut">
               <a:rPr lang="en-US" smtClean="0"/>
-              <a:t>10/11/22</a:t>
+              <a:t>10/13/22</a:t>
             </a:fld>
             <a:endParaRPr lang="en-US"/>
           </a:p>
@@ -412,7 +413,7 @@
           <a:p>
             <a:fld id="{6A207198-C646-4740-8A01-B3113DE25228}" type="datetimeFigureOut">
               <a:rPr lang="en-US" smtClean="0"/>
-              <a:t>10/11/22</a:t>
+              <a:t>10/13/22</a:t>
             </a:fld>
             <a:endParaRPr lang="en-US"/>
           </a:p>
@@ -1098,6 +1099,152 @@
 </p:notes>
 </file>
 
+<file path=ppt/notesSlides/notesSlide12.xml><?xml version="1.0" encoding="utf-8"?>
+<p:notes xmlns:a="http://schemas.openxmlformats.org/drawingml/2006/main" xmlns:r="http://schemas.openxmlformats.org/officeDocument/2006/relationships" xmlns:p="http://schemas.openxmlformats.org/presentationml/2006/main">
+  <p:cSld>
+    <p:spTree>
+      <p:nvGrpSpPr>
+        <p:cNvPr id="1" name=""/>
+        <p:cNvGrpSpPr/>
+        <p:nvPr/>
+      </p:nvGrpSpPr>
+      <p:grpSpPr>
+        <a:xfrm>
+          <a:off x="0" y="0"/>
+          <a:ext cx="0" cy="0"/>
+          <a:chOff x="0" y="0"/>
+          <a:chExt cx="0" cy="0"/>
+        </a:xfrm>
+      </p:grpSpPr>
+      <p:sp>
+        <p:nvSpPr>
+          <p:cNvPr id="2" name="Slide Image Placeholder 1"/>
+          <p:cNvSpPr>
+            <a:spLocks noGrp="1" noRot="1" noChangeAspect="1"/>
+          </p:cNvSpPr>
+          <p:nvPr>
+            <p:ph type="sldImg"/>
+          </p:nvPr>
+        </p:nvSpPr>
+        <p:spPr/>
+      </p:sp>
+      <p:sp>
+        <p:nvSpPr>
+          <p:cNvPr id="3" name="Notes Placeholder 2"/>
+          <p:cNvSpPr>
+            <a:spLocks noGrp="1"/>
+          </p:cNvSpPr>
+          <p:nvPr>
+            <p:ph type="body" idx="1"/>
+          </p:nvPr>
+        </p:nvSpPr>
+        <p:spPr/>
+        <p:txBody>
+          <a:bodyPr/>
+          <a:lstStyle/>
+          <a:p>
+            <a:pPr marL="0" marR="0" lvl="0" indent="0" algn="l" defTabSz="914400" rtl="0" eaLnBrk="1" fontAlgn="auto" latinLnBrk="0" hangingPunct="1">
+              <a:lnSpc>
+                <a:spcPct val="100000"/>
+              </a:lnSpc>
+              <a:spcBef>
+                <a:spcPts val="0"/>
+              </a:spcBef>
+              <a:spcAft>
+                <a:spcPts val="0"/>
+              </a:spcAft>
+              <a:buClrTx/>
+              <a:buSzTx/>
+              <a:buFontTx/>
+              <a:buNone/>
+              <a:tabLst/>
+              <a:defRPr/>
+            </a:pPr>
+            <a:endParaRPr lang="en-US" b="1" dirty="0"/>
+          </a:p>
+          <a:p>
+            <a:pPr marL="0" marR="0" lvl="0" indent="0" algn="l" defTabSz="914400" rtl="0" eaLnBrk="1" fontAlgn="auto" latinLnBrk="0" hangingPunct="1">
+              <a:lnSpc>
+                <a:spcPct val="100000"/>
+              </a:lnSpc>
+              <a:spcBef>
+                <a:spcPts val="0"/>
+              </a:spcBef>
+              <a:spcAft>
+                <a:spcPts val="0"/>
+              </a:spcAft>
+              <a:buClrTx/>
+              <a:buSzTx/>
+              <a:buFontTx/>
+              <a:buNone/>
+              <a:tabLst/>
+              <a:defRPr/>
+            </a:pPr>
+            <a:endParaRPr lang="en-US" b="1" dirty="0"/>
+          </a:p>
+          <a:p>
+            <a:endParaRPr lang="en-US" b="1" dirty="0"/>
+          </a:p>
+        </p:txBody>
+      </p:sp>
+      <p:sp>
+        <p:nvSpPr>
+          <p:cNvPr id="4" name="Footer Placeholder 3"/>
+          <p:cNvSpPr>
+            <a:spLocks noGrp="1"/>
+          </p:cNvSpPr>
+          <p:nvPr>
+            <p:ph type="ftr" sz="quarter" idx="4"/>
+          </p:nvPr>
+        </p:nvSpPr>
+        <p:spPr/>
+        <p:txBody>
+          <a:bodyPr/>
+          <a:lstStyle/>
+          <a:p>
+            <a:r>
+              <a:rPr lang="en-US"/>
+              <a:t>29th IEEE International Conference on Software Analysis, Evolution and Reengineering</a:t>
+            </a:r>
+          </a:p>
+        </p:txBody>
+      </p:sp>
+      <p:sp>
+        <p:nvSpPr>
+          <p:cNvPr id="5" name="Slide Number Placeholder 4"/>
+          <p:cNvSpPr>
+            <a:spLocks noGrp="1"/>
+          </p:cNvSpPr>
+          <p:nvPr>
+            <p:ph type="sldNum" sz="quarter" idx="5"/>
+          </p:nvPr>
+        </p:nvSpPr>
+        <p:spPr/>
+        <p:txBody>
+          <a:bodyPr/>
+          <a:lstStyle/>
+          <a:p>
+            <a:fld id="{FFD777BB-602A-4124-BBA3-1C4AA19106C8}" type="slidenum">
+              <a:rPr lang="en-US" smtClean="0"/>
+              <a:t>15</a:t>
+            </a:fld>
+            <a:endParaRPr lang="en-US"/>
+          </a:p>
+        </p:txBody>
+      </p:sp>
+    </p:spTree>
+    <p:extLst>
+      <p:ext uri="{BB962C8B-B14F-4D97-AF65-F5344CB8AC3E}">
+        <p14:creationId xmlns:p14="http://schemas.microsoft.com/office/powerpoint/2010/main" val="2429955579"/>
+      </p:ext>
+    </p:extLst>
+  </p:cSld>
+  <p:clrMapOvr>
+    <a:masterClrMapping/>
+  </p:clrMapOvr>
+</p:notes>
+</file>
+
 <file path=ppt/notesSlides/notesSlide2.xml><?xml version="1.0" encoding="utf-8"?>
 <p:notes xmlns:a="http://schemas.openxmlformats.org/drawingml/2006/main" xmlns:r="http://schemas.openxmlformats.org/officeDocument/2006/relationships" xmlns:p="http://schemas.openxmlformats.org/presentationml/2006/main">
   <p:cSld>
@@ -1850,45 +1997,6 @@
               <a:defRPr/>
             </a:pPr>
             <a:endParaRPr lang="en-US" b="1" dirty="0"/>
-          </a:p>
-          <a:p>
-            <a:pPr marL="0" marR="0" lvl="0" indent="0" algn="l" defTabSz="914400" rtl="0" eaLnBrk="1" fontAlgn="auto" latinLnBrk="0" hangingPunct="1">
-              <a:lnSpc>
-                <a:spcPct val="100000"/>
-              </a:lnSpc>
-              <a:spcBef>
-                <a:spcPts val="0"/>
-              </a:spcBef>
-              <a:spcAft>
-                <a:spcPts val="0"/>
-              </a:spcAft>
-              <a:buClrTx/>
-              <a:buSzTx/>
-              <a:buFontTx/>
-              <a:buNone/>
-              <a:tabLst/>
-              <a:defRPr/>
-            </a:pPr>
-            <a:r>
-              <a:rPr lang="en-US" b="1" dirty="0"/>
-              <a:t>We did not get the 1% of violation since there is not case when </a:t>
-            </a:r>
-            <a:r>
-              <a:rPr lang="en-US" b="1" dirty="0" err="1"/>
-              <a:t>input_a</a:t>
-            </a:r>
-            <a:r>
-              <a:rPr lang="en-US" b="1" dirty="0"/>
-              <a:t> = 0 and </a:t>
-            </a:r>
-            <a:r>
-              <a:rPr lang="en-US" b="1" dirty="0" err="1"/>
-              <a:t>input_b</a:t>
-            </a:r>
-            <a:r>
-              <a:rPr lang="en-US" b="1" dirty="0"/>
-              <a:t> = 0, the inputs were generated randomly </a:t>
-            </a:r>
           </a:p>
         </p:txBody>
       </p:sp>
@@ -17814,6 +17922,553 @@
 </p:sld>
 </file>
 
+<file path=ppt/slides/slide15.xml><?xml version="1.0" encoding="utf-8"?>
+<p:sld xmlns:a="http://schemas.openxmlformats.org/drawingml/2006/main" xmlns:r="http://schemas.openxmlformats.org/officeDocument/2006/relationships" xmlns:p="http://schemas.openxmlformats.org/presentationml/2006/main">
+  <p:cSld>
+    <p:spTree>
+      <p:nvGrpSpPr>
+        <p:cNvPr id="1" name=""/>
+        <p:cNvGrpSpPr/>
+        <p:nvPr/>
+      </p:nvGrpSpPr>
+      <p:grpSpPr>
+        <a:xfrm>
+          <a:off x="0" y="0"/>
+          <a:ext cx="0" cy="0"/>
+          <a:chOff x="0" y="0"/>
+          <a:chExt cx="0" cy="0"/>
+        </a:xfrm>
+      </p:grpSpPr>
+      <p:sp>
+        <p:nvSpPr>
+          <p:cNvPr id="3" name="Slide Number Placeholder 1">
+            <a:extLst>
+              <a:ext uri="{FF2B5EF4-FFF2-40B4-BE49-F238E27FC236}">
+                <a16:creationId xmlns:a16="http://schemas.microsoft.com/office/drawing/2014/main" id="{051CC0C5-935C-2AFE-C4D5-A1E2FF56EBDB}"/>
+              </a:ext>
+            </a:extLst>
+          </p:cNvPr>
+          <p:cNvSpPr>
+            <a:spLocks noGrp="1"/>
+          </p:cNvSpPr>
+          <p:nvPr>
+            <p:ph type="sldNum" sz="quarter" idx="4"/>
+          </p:nvPr>
+        </p:nvSpPr>
+        <p:spPr>
+          <a:xfrm>
+            <a:off x="10210800" y="6279423"/>
+            <a:ext cx="1371600" cy="365125"/>
+          </a:xfrm>
+        </p:spPr>
+        <p:txBody>
+          <a:bodyPr/>
+          <a:lstStyle/>
+          <a:p>
+            <a:pPr>
+              <a:defRPr/>
+            </a:pPr>
+            <a:fld id="{DADBB38E-37F0-4099-9E14-30415241E9AC}" type="slidenum">
+              <a:rPr lang="en-US" smtClean="0"/>
+              <a:pPr>
+                <a:defRPr/>
+              </a:pPr>
+              <a:t>15</a:t>
+            </a:fld>
+            <a:endParaRPr lang="en-US" dirty="0"/>
+          </a:p>
+        </p:txBody>
+      </p:sp>
+      <p:sp>
+        <p:nvSpPr>
+          <p:cNvPr id="6" name="Rectangle 5">
+            <a:extLst>
+              <a:ext uri="{FF2B5EF4-FFF2-40B4-BE49-F238E27FC236}">
+                <a16:creationId xmlns:a16="http://schemas.microsoft.com/office/drawing/2014/main" id="{641A0FA1-B8CC-7C03-7744-80376A961BAD}"/>
+              </a:ext>
+            </a:extLst>
+          </p:cNvPr>
+          <p:cNvSpPr/>
+          <p:nvPr/>
+        </p:nvSpPr>
+        <p:spPr>
+          <a:xfrm>
+            <a:off x="372291" y="1061219"/>
+            <a:ext cx="10287000" cy="461665"/>
+          </a:xfrm>
+          <a:prstGeom prst="rect">
+            <a:avLst/>
+          </a:prstGeom>
+          <a:noFill/>
+        </p:spPr>
+        <p:txBody>
+          <a:bodyPr wrap="square" lIns="91440" tIns="45720" rIns="91440" bIns="45720">
+            <a:spAutoFit/>
+          </a:bodyPr>
+          <a:lstStyle/>
+          <a:p>
+            <a:r>
+              <a:rPr lang="en-GB" sz="2400" b="1" cap="none" spc="0" dirty="0">
+                <a:ln w="0"/>
+                <a:solidFill>
+                  <a:schemeClr val="tx1"/>
+                </a:solidFill>
+                <a:effectLst>
+                  <a:outerShdw blurRad="38100" dist="19050" dir="2700000" algn="tl" rotWithShape="0">
+                    <a:schemeClr val="dk1">
+                      <a:alpha val="40000"/>
+                    </a:schemeClr>
+                  </a:outerShdw>
+                </a:effectLst>
+              </a:rPr>
+              <a:t>Workflow</a:t>
+            </a:r>
+            <a:endParaRPr lang="en-GB" sz="2400" b="0" cap="none" spc="0" dirty="0">
+              <a:ln w="0"/>
+              <a:solidFill>
+                <a:schemeClr val="tx1"/>
+              </a:solidFill>
+              <a:effectLst>
+                <a:outerShdw blurRad="38100" dist="19050" dir="2700000" algn="tl" rotWithShape="0">
+                  <a:schemeClr val="dk1">
+                    <a:alpha val="40000"/>
+                  </a:schemeClr>
+                </a:outerShdw>
+              </a:effectLst>
+            </a:endParaRPr>
+          </a:p>
+        </p:txBody>
+      </p:sp>
+      <p:pic>
+        <p:nvPicPr>
+          <p:cNvPr id="7" name="Picture 6">
+            <a:extLst>
+              <a:ext uri="{FF2B5EF4-FFF2-40B4-BE49-F238E27FC236}">
+                <a16:creationId xmlns:a16="http://schemas.microsoft.com/office/drawing/2014/main" id="{F6075F11-03C2-A6AF-F2DB-EE38F5149788}"/>
+              </a:ext>
+            </a:extLst>
+          </p:cNvPr>
+          <p:cNvPicPr>
+            <a:picLocks noChangeAspect="1"/>
+          </p:cNvPicPr>
+          <p:nvPr/>
+        </p:nvPicPr>
+        <p:blipFill>
+          <a:blip r:embed="rId3"/>
+          <a:stretch>
+            <a:fillRect/>
+          </a:stretch>
+        </p:blipFill>
+        <p:spPr>
+          <a:xfrm>
+            <a:off x="668692" y="1943781"/>
+            <a:ext cx="1143000" cy="1143000"/>
+          </a:xfrm>
+          <a:prstGeom prst="rect">
+            <a:avLst/>
+          </a:prstGeom>
+        </p:spPr>
+      </p:pic>
+      <p:sp>
+        <p:nvSpPr>
+          <p:cNvPr id="8" name="Rectangle 7">
+            <a:extLst>
+              <a:ext uri="{FF2B5EF4-FFF2-40B4-BE49-F238E27FC236}">
+                <a16:creationId xmlns:a16="http://schemas.microsoft.com/office/drawing/2014/main" id="{ACEF51AA-1632-0346-8382-72A58969494A}"/>
+              </a:ext>
+            </a:extLst>
+          </p:cNvPr>
+          <p:cNvSpPr/>
+          <p:nvPr/>
+        </p:nvSpPr>
+        <p:spPr>
+          <a:xfrm>
+            <a:off x="2268892" y="2284448"/>
+            <a:ext cx="1887892" cy="461665"/>
+          </a:xfrm>
+          <a:prstGeom prst="rect">
+            <a:avLst/>
+          </a:prstGeom>
+          <a:noFill/>
+          <a:ln w="28575"/>
+        </p:spPr>
+        <p:style>
+          <a:lnRef idx="2">
+            <a:schemeClr val="dk1">
+              <a:shade val="50000"/>
+            </a:schemeClr>
+          </a:lnRef>
+          <a:fillRef idx="1">
+            <a:schemeClr val="dk1"/>
+          </a:fillRef>
+          <a:effectRef idx="0">
+            <a:schemeClr val="dk1"/>
+          </a:effectRef>
+          <a:fontRef idx="minor">
+            <a:schemeClr val="lt1"/>
+          </a:fontRef>
+        </p:style>
+        <p:txBody>
+          <a:bodyPr rtlCol="0" anchor="ctr"/>
+          <a:lstStyle/>
+          <a:p>
+            <a:pPr algn="ctr"/>
+            <a:r>
+              <a:rPr lang="en-US" b="1" dirty="0">
+                <a:solidFill>
+                  <a:schemeClr val="tx1"/>
+                </a:solidFill>
+              </a:rPr>
+              <a:t>Encoding</a:t>
+            </a:r>
+          </a:p>
+        </p:txBody>
+      </p:sp>
+      <p:cxnSp>
+        <p:nvCxnSpPr>
+          <p:cNvPr id="10" name="Straight Arrow Connector 9">
+            <a:extLst>
+              <a:ext uri="{FF2B5EF4-FFF2-40B4-BE49-F238E27FC236}">
+                <a16:creationId xmlns:a16="http://schemas.microsoft.com/office/drawing/2014/main" id="{A2600ADD-5F9A-9606-ED30-966ACBDDD7A1}"/>
+              </a:ext>
+            </a:extLst>
+          </p:cNvPr>
+          <p:cNvCxnSpPr>
+            <a:cxnSpLocks/>
+            <a:stCxn id="7" idx="3"/>
+            <a:endCxn id="8" idx="1"/>
+          </p:cNvCxnSpPr>
+          <p:nvPr/>
+        </p:nvCxnSpPr>
+        <p:spPr>
+          <a:xfrm>
+            <a:off x="1811692" y="2515281"/>
+            <a:ext cx="457200" cy="0"/>
+          </a:xfrm>
+          <a:prstGeom prst="straightConnector1">
+            <a:avLst/>
+          </a:prstGeom>
+          <a:ln w="38100">
+            <a:tailEnd type="triangle"/>
+          </a:ln>
+        </p:spPr>
+        <p:style>
+          <a:lnRef idx="2">
+            <a:schemeClr val="dk1"/>
+          </a:lnRef>
+          <a:fillRef idx="0">
+            <a:schemeClr val="dk1"/>
+          </a:fillRef>
+          <a:effectRef idx="1">
+            <a:schemeClr val="dk1"/>
+          </a:effectRef>
+          <a:fontRef idx="minor">
+            <a:schemeClr val="tx1"/>
+          </a:fontRef>
+        </p:style>
+      </p:cxnSp>
+      <p:sp>
+        <p:nvSpPr>
+          <p:cNvPr id="15" name="Rectangle 14">
+            <a:extLst>
+              <a:ext uri="{FF2B5EF4-FFF2-40B4-BE49-F238E27FC236}">
+                <a16:creationId xmlns:a16="http://schemas.microsoft.com/office/drawing/2014/main" id="{5AA72BB6-CF22-865A-006C-412C40B2B46C}"/>
+              </a:ext>
+            </a:extLst>
+          </p:cNvPr>
+          <p:cNvSpPr/>
+          <p:nvPr/>
+        </p:nvSpPr>
+        <p:spPr>
+          <a:xfrm>
+            <a:off x="4613984" y="2284448"/>
+            <a:ext cx="2226908" cy="461665"/>
+          </a:xfrm>
+          <a:prstGeom prst="rect">
+            <a:avLst/>
+          </a:prstGeom>
+          <a:noFill/>
+          <a:ln w="28575"/>
+        </p:spPr>
+        <p:style>
+          <a:lnRef idx="2">
+            <a:schemeClr val="dk1">
+              <a:shade val="50000"/>
+            </a:schemeClr>
+          </a:lnRef>
+          <a:fillRef idx="1">
+            <a:schemeClr val="dk1"/>
+          </a:fillRef>
+          <a:effectRef idx="0">
+            <a:schemeClr val="dk1"/>
+          </a:effectRef>
+          <a:fontRef idx="minor">
+            <a:schemeClr val="lt1"/>
+          </a:fontRef>
+        </p:style>
+        <p:txBody>
+          <a:bodyPr rtlCol="0" anchor="ctr"/>
+          <a:lstStyle/>
+          <a:p>
+            <a:pPr algn="ctr"/>
+            <a:r>
+              <a:rPr lang="en-US" b="1" dirty="0">
+                <a:solidFill>
+                  <a:schemeClr val="tx1"/>
+                </a:solidFill>
+              </a:rPr>
+              <a:t>Feature Selection</a:t>
+            </a:r>
+          </a:p>
+        </p:txBody>
+      </p:sp>
+      <p:cxnSp>
+        <p:nvCxnSpPr>
+          <p:cNvPr id="16" name="Straight Arrow Connector 15">
+            <a:extLst>
+              <a:ext uri="{FF2B5EF4-FFF2-40B4-BE49-F238E27FC236}">
+                <a16:creationId xmlns:a16="http://schemas.microsoft.com/office/drawing/2014/main" id="{06D4E56B-04C8-8DB1-5647-D1728F567345}"/>
+              </a:ext>
+            </a:extLst>
+          </p:cNvPr>
+          <p:cNvCxnSpPr>
+            <a:cxnSpLocks/>
+            <a:stCxn id="8" idx="3"/>
+            <a:endCxn id="15" idx="1"/>
+          </p:cNvCxnSpPr>
+          <p:nvPr/>
+        </p:nvCxnSpPr>
+        <p:spPr>
+          <a:xfrm>
+            <a:off x="4156784" y="2515281"/>
+            <a:ext cx="457200" cy="0"/>
+          </a:xfrm>
+          <a:prstGeom prst="straightConnector1">
+            <a:avLst/>
+          </a:prstGeom>
+          <a:ln w="38100">
+            <a:tailEnd type="triangle"/>
+          </a:ln>
+        </p:spPr>
+        <p:style>
+          <a:lnRef idx="2">
+            <a:schemeClr val="dk1"/>
+          </a:lnRef>
+          <a:fillRef idx="0">
+            <a:schemeClr val="dk1"/>
+          </a:fillRef>
+          <a:effectRef idx="1">
+            <a:schemeClr val="dk1"/>
+          </a:effectRef>
+          <a:fontRef idx="minor">
+            <a:schemeClr val="tx1"/>
+          </a:fontRef>
+        </p:style>
+      </p:cxnSp>
+      <p:sp>
+        <p:nvSpPr>
+          <p:cNvPr id="23" name="Rectangle 22">
+            <a:extLst>
+              <a:ext uri="{FF2B5EF4-FFF2-40B4-BE49-F238E27FC236}">
+                <a16:creationId xmlns:a16="http://schemas.microsoft.com/office/drawing/2014/main" id="{2D1505FD-E2C0-3A35-78F5-BBB419EB2CA6}"/>
+              </a:ext>
+            </a:extLst>
+          </p:cNvPr>
+          <p:cNvSpPr/>
+          <p:nvPr/>
+        </p:nvSpPr>
+        <p:spPr>
+          <a:xfrm>
+            <a:off x="7298092" y="2284448"/>
+            <a:ext cx="2226908" cy="461665"/>
+          </a:xfrm>
+          <a:prstGeom prst="rect">
+            <a:avLst/>
+          </a:prstGeom>
+          <a:noFill/>
+          <a:ln w="28575"/>
+        </p:spPr>
+        <p:style>
+          <a:lnRef idx="2">
+            <a:schemeClr val="dk1">
+              <a:shade val="50000"/>
+            </a:schemeClr>
+          </a:lnRef>
+          <a:fillRef idx="1">
+            <a:schemeClr val="dk1"/>
+          </a:fillRef>
+          <a:effectRef idx="0">
+            <a:schemeClr val="dk1"/>
+          </a:effectRef>
+          <a:fontRef idx="minor">
+            <a:schemeClr val="lt1"/>
+          </a:fontRef>
+        </p:style>
+        <p:txBody>
+          <a:bodyPr rtlCol="0" anchor="ctr"/>
+          <a:lstStyle/>
+          <a:p>
+            <a:pPr algn="ctr"/>
+            <a:r>
+              <a:rPr lang="en-US" b="1" dirty="0">
+                <a:solidFill>
+                  <a:schemeClr val="tx1"/>
+                </a:solidFill>
+              </a:rPr>
+              <a:t>Rule generation</a:t>
+            </a:r>
+          </a:p>
+        </p:txBody>
+      </p:sp>
+      <p:cxnSp>
+        <p:nvCxnSpPr>
+          <p:cNvPr id="24" name="Straight Arrow Connector 23">
+            <a:extLst>
+              <a:ext uri="{FF2B5EF4-FFF2-40B4-BE49-F238E27FC236}">
+                <a16:creationId xmlns:a16="http://schemas.microsoft.com/office/drawing/2014/main" id="{488E49B1-43F4-62FE-72D3-4230B6D02C5A}"/>
+              </a:ext>
+            </a:extLst>
+          </p:cNvPr>
+          <p:cNvCxnSpPr>
+            <a:cxnSpLocks/>
+            <a:stCxn id="15" idx="3"/>
+            <a:endCxn id="23" idx="1"/>
+          </p:cNvCxnSpPr>
+          <p:nvPr/>
+        </p:nvCxnSpPr>
+        <p:spPr>
+          <a:xfrm>
+            <a:off x="6840892" y="2515281"/>
+            <a:ext cx="457200" cy="0"/>
+          </a:xfrm>
+          <a:prstGeom prst="straightConnector1">
+            <a:avLst/>
+          </a:prstGeom>
+          <a:ln w="38100">
+            <a:tailEnd type="triangle"/>
+          </a:ln>
+        </p:spPr>
+        <p:style>
+          <a:lnRef idx="2">
+            <a:schemeClr val="dk1"/>
+          </a:lnRef>
+          <a:fillRef idx="0">
+            <a:schemeClr val="dk1"/>
+          </a:fillRef>
+          <a:effectRef idx="1">
+            <a:schemeClr val="dk1"/>
+          </a:effectRef>
+          <a:fontRef idx="minor">
+            <a:schemeClr val="tx1"/>
+          </a:fontRef>
+        </p:style>
+      </p:cxnSp>
+      <p:sp>
+        <p:nvSpPr>
+          <p:cNvPr id="28" name="Flowchart: Magnetic Disk 2">
+            <a:extLst>
+              <a:ext uri="{FF2B5EF4-FFF2-40B4-BE49-F238E27FC236}">
+                <a16:creationId xmlns:a16="http://schemas.microsoft.com/office/drawing/2014/main" id="{9EFC88DE-3A58-5A84-E2DA-9F02C2C4C160}"/>
+              </a:ext>
+            </a:extLst>
+          </p:cNvPr>
+          <p:cNvSpPr/>
+          <p:nvPr/>
+        </p:nvSpPr>
+        <p:spPr>
+          <a:xfrm>
+            <a:off x="9982200" y="1905000"/>
+            <a:ext cx="1058378" cy="1220560"/>
+          </a:xfrm>
+          <a:prstGeom prst="flowChartMagneticDisk">
+            <a:avLst/>
+          </a:prstGeom>
+        </p:spPr>
+        <p:style>
+          <a:lnRef idx="2">
+            <a:schemeClr val="dk1">
+              <a:shade val="50000"/>
+            </a:schemeClr>
+          </a:lnRef>
+          <a:fillRef idx="1">
+            <a:schemeClr val="dk1"/>
+          </a:fillRef>
+          <a:effectRef idx="0">
+            <a:schemeClr val="dk1"/>
+          </a:effectRef>
+          <a:fontRef idx="minor">
+            <a:schemeClr val="lt1"/>
+          </a:fontRef>
+        </p:style>
+        <p:txBody>
+          <a:bodyPr rtlCol="0" anchor="ctr"/>
+          <a:lstStyle/>
+          <a:p>
+            <a:pPr algn="ctr"/>
+            <a:r>
+              <a:rPr lang="en-US" sz="1200" dirty="0"/>
+              <a:t>Rule set</a:t>
+            </a:r>
+            <a:endParaRPr lang="en-US" sz="1100" dirty="0"/>
+          </a:p>
+        </p:txBody>
+      </p:sp>
+      <p:cxnSp>
+        <p:nvCxnSpPr>
+          <p:cNvPr id="29" name="Straight Arrow Connector 28">
+            <a:extLst>
+              <a:ext uri="{FF2B5EF4-FFF2-40B4-BE49-F238E27FC236}">
+                <a16:creationId xmlns:a16="http://schemas.microsoft.com/office/drawing/2014/main" id="{DCC86E8F-41FC-32F7-5970-09CDD5ACC4F2}"/>
+              </a:ext>
+            </a:extLst>
+          </p:cNvPr>
+          <p:cNvCxnSpPr>
+            <a:cxnSpLocks/>
+            <a:stCxn id="23" idx="3"/>
+            <a:endCxn id="28" idx="2"/>
+          </p:cNvCxnSpPr>
+          <p:nvPr/>
+        </p:nvCxnSpPr>
+        <p:spPr>
+          <a:xfrm flipV="1">
+            <a:off x="9525000" y="2515280"/>
+            <a:ext cx="457200" cy="1"/>
+          </a:xfrm>
+          <a:prstGeom prst="straightConnector1">
+            <a:avLst/>
+          </a:prstGeom>
+          <a:ln w="38100">
+            <a:tailEnd type="triangle"/>
+          </a:ln>
+        </p:spPr>
+        <p:style>
+          <a:lnRef idx="2">
+            <a:schemeClr val="dk1"/>
+          </a:lnRef>
+          <a:fillRef idx="0">
+            <a:schemeClr val="dk1"/>
+          </a:fillRef>
+          <a:effectRef idx="1">
+            <a:schemeClr val="dk1"/>
+          </a:effectRef>
+          <a:fontRef idx="minor">
+            <a:schemeClr val="tx1"/>
+          </a:fontRef>
+        </p:style>
+      </p:cxnSp>
+    </p:spTree>
+    <p:extLst>
+      <p:ext uri="{BB962C8B-B14F-4D97-AF65-F5344CB8AC3E}">
+        <p14:creationId xmlns:p14="http://schemas.microsoft.com/office/powerpoint/2010/main" val="1453501549"/>
+      </p:ext>
+    </p:extLst>
+  </p:cSld>
+  <p:clrMapOvr>
+    <a:masterClrMapping/>
+  </p:clrMapOvr>
+</p:sld>
+</file>
+
 <file path=ppt/slides/slide2.xml><?xml version="1.0" encoding="utf-8"?>
 <p:sld xmlns:a="http://schemas.openxmlformats.org/drawingml/2006/main" xmlns:r="http://schemas.openxmlformats.org/officeDocument/2006/relationships" xmlns:p="http://schemas.openxmlformats.org/presentationml/2006/main">
   <p:cSld>
@@ -31342,8 +31997,8 @@
         </p:nvSpPr>
         <p:spPr>
           <a:xfrm>
-            <a:off x="304800" y="1143000"/>
-            <a:ext cx="5498854" cy="830997"/>
+            <a:off x="304800" y="990600"/>
+            <a:ext cx="5498854" cy="1200329"/>
           </a:xfrm>
           <a:prstGeom prst="rect">
             <a:avLst/>
@@ -31355,6 +32010,24 @@
             <a:spAutoFit/>
           </a:bodyPr>
           <a:lstStyle/>
+          <a:p>
+            <a:r>
+              <a:rPr lang="en-GB" sz="2400" b="1" cap="none" spc="0" dirty="0">
+                <a:ln w="0"/>
+                <a:solidFill>
+                  <a:schemeClr val="tx1"/>
+                </a:solidFill>
+                <a:effectLst>
+                  <a:outerShdw blurRad="38100" dist="19050" dir="2700000" algn="tl" rotWithShape="0">
+                    <a:schemeClr val="dk1">
+                      <a:alpha val="40000"/>
+                    </a:schemeClr>
+                  </a:outerShdw>
+                </a:effectLst>
+              </a:rPr>
+              <a:t>“Controlled input space”:</a:t>
+            </a:r>
+          </a:p>
           <a:p>
             <a:r>
               <a:rPr lang="en-GB" sz="2400" b="0" cap="none" spc="0" dirty="0">

--- a/ProgressMeetings/Oct_13_22.pptx
+++ b/ProgressMeetings/Oct_13_22.pptx
@@ -244,7 +244,7 @@
           <a:p>
             <a:fld id="{821534B3-39E4-4EA9-B6D8-1893401FA294}" type="datetimeFigureOut">
               <a:rPr lang="en-US" smtClean="0"/>
-              <a:t>10/13/22</a:t>
+              <a:t>11/29/22</a:t>
             </a:fld>
             <a:endParaRPr lang="en-US"/>
           </a:p>
@@ -413,7 +413,7 @@
           <a:p>
             <a:fld id="{6A207198-C646-4740-8A01-B3113DE25228}" type="datetimeFigureOut">
               <a:rPr lang="en-US" smtClean="0"/>
-              <a:t>10/13/22</a:t>
+              <a:t>11/29/22</a:t>
             </a:fld>
             <a:endParaRPr lang="en-US"/>
           </a:p>
@@ -21441,14 +21441,11 @@
           <a:lstStyle/>
           <a:p>
             <a:pPr algn="ctr"/>
-            <a:r>
-              <a:rPr lang="en-US" b="1" dirty="0">
-                <a:solidFill>
-                  <a:schemeClr val="tx1"/>
-                </a:solidFill>
-              </a:rPr>
-              <a:t>Fuzzer</a:t>
-            </a:r>
+            <a:endParaRPr lang="en-US" b="1" dirty="0">
+              <a:solidFill>
+                <a:schemeClr val="tx1"/>
+              </a:solidFill>
+            </a:endParaRPr>
           </a:p>
         </p:txBody>
       </p:sp>
